--- a/test-files/outputs/test-output-standard.pptx
+++ b/test-files/outputs/test-output-standard.pptx
@@ -160,7 +160,7 @@
           <a:p>
             <a:r>
               <a:rPr lang="en-US" sz="1400"/>
-              <a:t>   </a:t>
+              <a:t>(((100000=sales.q1))) (((150000=sales.q2))) (((180000=sales.q3))) (((220000=sales.q4)))</a:t>
             </a:r>
           </a:p>
         </p:txBody>
